--- a/ppt 16-9/1595.黑暗中的光芒.pptx
+++ b/ppt 16-9/1595.黑暗中的光芒.pptx
@@ -5,7 +5,7 @@
     <p:sldMasterId id="2147483648" r:id="rId1"/>
   </p:sldMasterIdLst>
   <p:sldIdLst>
-    <p:sldId id="3454" r:id="rId2"/>
+    <p:sldId id="3455" r:id="rId2"/>
   </p:sldIdLst>
   <p:sldSz cx="12192000" cy="6858000"/>
   <p:notesSz cx="6858000" cy="9144000"/>
@@ -129,7 +129,7 @@
           <p:cNvPr id="2" name="标题 1">
             <a:extLst>
               <a:ext uri="{FF2B5EF4-FFF2-40B4-BE49-F238E27FC236}">
-                <a16:creationId xmlns:a16="http://schemas.microsoft.com/office/drawing/2014/main" id="{BA57A1B6-2F60-D426-2BF2-6DA5B5848E9A}"/>
+                <a16:creationId xmlns:a16="http://schemas.microsoft.com/office/drawing/2014/main" id="{E62ECB11-2ECA-A50D-0CFA-758BE86D8616}"/>
               </a:ext>
             </a:extLst>
           </p:cNvPr>
@@ -166,7 +166,7 @@
           <p:cNvPr id="3" name="副标题 2">
             <a:extLst>
               <a:ext uri="{FF2B5EF4-FFF2-40B4-BE49-F238E27FC236}">
-                <a16:creationId xmlns:a16="http://schemas.microsoft.com/office/drawing/2014/main" id="{EA85EB69-DB01-1D76-5FC6-733FC19139E8}"/>
+                <a16:creationId xmlns:a16="http://schemas.microsoft.com/office/drawing/2014/main" id="{50EB7F3E-7413-F531-C2AD-3B2326DA7C13}"/>
               </a:ext>
             </a:extLst>
           </p:cNvPr>
@@ -236,7 +236,7 @@
           <p:cNvPr id="4" name="日期占位符 3">
             <a:extLst>
               <a:ext uri="{FF2B5EF4-FFF2-40B4-BE49-F238E27FC236}">
-                <a16:creationId xmlns:a16="http://schemas.microsoft.com/office/drawing/2014/main" id="{D28E8DD8-0F46-D4E7-7716-212F5B816475}"/>
+                <a16:creationId xmlns:a16="http://schemas.microsoft.com/office/drawing/2014/main" id="{FBDA99C9-9CA9-6A2E-0D97-D73B19033519}"/>
               </a:ext>
             </a:extLst>
           </p:cNvPr>
@@ -252,7 +252,7 @@
           <a:bodyPr/>
           <a:lstStyle/>
           <a:p>
-            <a:fld id="{5D6416D6-1E8D-4BCF-8FA7-634B336837EA}" type="datetimeFigureOut">
+            <a:fld id="{854D749A-8178-4D8C-8D2C-48C59A5D8A1F}" type="datetimeFigureOut">
               <a:rPr lang="zh-CN" altLang="en-US" smtClean="0"/>
               <a:t>2024/3/10</a:t>
             </a:fld>
@@ -265,7 +265,7 @@
           <p:cNvPr id="5" name="页脚占位符 4">
             <a:extLst>
               <a:ext uri="{FF2B5EF4-FFF2-40B4-BE49-F238E27FC236}">
-                <a16:creationId xmlns:a16="http://schemas.microsoft.com/office/drawing/2014/main" id="{95937B00-D387-B631-B8CC-3AFE74EC32D9}"/>
+                <a16:creationId xmlns:a16="http://schemas.microsoft.com/office/drawing/2014/main" id="{5278C8BE-4239-FEC4-7658-B25487DD9BDF}"/>
               </a:ext>
             </a:extLst>
           </p:cNvPr>
@@ -290,7 +290,7 @@
           <p:cNvPr id="6" name="灯片编号占位符 5">
             <a:extLst>
               <a:ext uri="{FF2B5EF4-FFF2-40B4-BE49-F238E27FC236}">
-                <a16:creationId xmlns:a16="http://schemas.microsoft.com/office/drawing/2014/main" id="{312B3553-9685-1616-9AF1-4C24A719A7F6}"/>
+                <a16:creationId xmlns:a16="http://schemas.microsoft.com/office/drawing/2014/main" id="{6AC8A241-A46A-2332-F410-DA423272E96A}"/>
               </a:ext>
             </a:extLst>
           </p:cNvPr>
@@ -306,7 +306,7 @@
           <a:bodyPr/>
           <a:lstStyle/>
           <a:p>
-            <a:fld id="{67FAB10C-D06D-4174-BEF5-BBE6420D79E4}" type="slidenum">
+            <a:fld id="{D50E5018-6C96-4377-9785-F757EB532624}" type="slidenum">
               <a:rPr lang="zh-CN" altLang="en-US" smtClean="0"/>
               <a:t>‹#›</a:t>
             </a:fld>
@@ -317,7 +317,7 @@
     </p:spTree>
     <p:extLst>
       <p:ext uri="{BB962C8B-B14F-4D97-AF65-F5344CB8AC3E}">
-        <p14:creationId xmlns:p14="http://schemas.microsoft.com/office/powerpoint/2010/main" val="3329320640"/>
+        <p14:creationId xmlns:p14="http://schemas.microsoft.com/office/powerpoint/2010/main" val="967479393"/>
       </p:ext>
     </p:extLst>
   </p:cSld>
@@ -349,7 +349,7 @@
           <p:cNvPr id="2" name="标题 1">
             <a:extLst>
               <a:ext uri="{FF2B5EF4-FFF2-40B4-BE49-F238E27FC236}">
-                <a16:creationId xmlns:a16="http://schemas.microsoft.com/office/drawing/2014/main" id="{E4E3BF96-0D1D-F3AE-1287-6F63E5ADB062}"/>
+                <a16:creationId xmlns:a16="http://schemas.microsoft.com/office/drawing/2014/main" id="{043AFC77-96E9-9730-3F3E-36CD7411EBC0}"/>
               </a:ext>
             </a:extLst>
           </p:cNvPr>
@@ -377,7 +377,7 @@
           <p:cNvPr id="3" name="竖排文字占位符 2">
             <a:extLst>
               <a:ext uri="{FF2B5EF4-FFF2-40B4-BE49-F238E27FC236}">
-                <a16:creationId xmlns:a16="http://schemas.microsoft.com/office/drawing/2014/main" id="{FA7B89F1-9FCD-254D-2075-827A23718894}"/>
+                <a16:creationId xmlns:a16="http://schemas.microsoft.com/office/drawing/2014/main" id="{2F351A45-A77B-0559-6691-D7C47940C3FF}"/>
               </a:ext>
             </a:extLst>
           </p:cNvPr>
@@ -434,7 +434,7 @@
           <p:cNvPr id="4" name="日期占位符 3">
             <a:extLst>
               <a:ext uri="{FF2B5EF4-FFF2-40B4-BE49-F238E27FC236}">
-                <a16:creationId xmlns:a16="http://schemas.microsoft.com/office/drawing/2014/main" id="{80671B63-41FA-BCCC-31C7-46C68838BBA1}"/>
+                <a16:creationId xmlns:a16="http://schemas.microsoft.com/office/drawing/2014/main" id="{F536FA4D-BB80-DD91-7B48-3436EC0E87EF}"/>
               </a:ext>
             </a:extLst>
           </p:cNvPr>
@@ -450,7 +450,7 @@
           <a:bodyPr/>
           <a:lstStyle/>
           <a:p>
-            <a:fld id="{5D6416D6-1E8D-4BCF-8FA7-634B336837EA}" type="datetimeFigureOut">
+            <a:fld id="{854D749A-8178-4D8C-8D2C-48C59A5D8A1F}" type="datetimeFigureOut">
               <a:rPr lang="zh-CN" altLang="en-US" smtClean="0"/>
               <a:t>2024/3/10</a:t>
             </a:fld>
@@ -463,7 +463,7 @@
           <p:cNvPr id="5" name="页脚占位符 4">
             <a:extLst>
               <a:ext uri="{FF2B5EF4-FFF2-40B4-BE49-F238E27FC236}">
-                <a16:creationId xmlns:a16="http://schemas.microsoft.com/office/drawing/2014/main" id="{E974C548-BBD3-BCBA-EA84-C56E023D4679}"/>
+                <a16:creationId xmlns:a16="http://schemas.microsoft.com/office/drawing/2014/main" id="{264F60ED-93C0-FD88-6972-C864F359D9AB}"/>
               </a:ext>
             </a:extLst>
           </p:cNvPr>
@@ -488,7 +488,7 @@
           <p:cNvPr id="6" name="灯片编号占位符 5">
             <a:extLst>
               <a:ext uri="{FF2B5EF4-FFF2-40B4-BE49-F238E27FC236}">
-                <a16:creationId xmlns:a16="http://schemas.microsoft.com/office/drawing/2014/main" id="{756E95A7-9F3E-4741-DE2F-3B9CEFA45476}"/>
+                <a16:creationId xmlns:a16="http://schemas.microsoft.com/office/drawing/2014/main" id="{3D4AC67D-FCE5-BBD9-3D38-B604F969D306}"/>
               </a:ext>
             </a:extLst>
           </p:cNvPr>
@@ -504,7 +504,7 @@
           <a:bodyPr/>
           <a:lstStyle/>
           <a:p>
-            <a:fld id="{67FAB10C-D06D-4174-BEF5-BBE6420D79E4}" type="slidenum">
+            <a:fld id="{D50E5018-6C96-4377-9785-F757EB532624}" type="slidenum">
               <a:rPr lang="zh-CN" altLang="en-US" smtClean="0"/>
               <a:t>‹#›</a:t>
             </a:fld>
@@ -515,7 +515,7 @@
     </p:spTree>
     <p:extLst>
       <p:ext uri="{BB962C8B-B14F-4D97-AF65-F5344CB8AC3E}">
-        <p14:creationId xmlns:p14="http://schemas.microsoft.com/office/powerpoint/2010/main" val="2259676506"/>
+        <p14:creationId xmlns:p14="http://schemas.microsoft.com/office/powerpoint/2010/main" val="2849197227"/>
       </p:ext>
     </p:extLst>
   </p:cSld>
@@ -547,7 +547,7 @@
           <p:cNvPr id="2" name="竖排标题 1">
             <a:extLst>
               <a:ext uri="{FF2B5EF4-FFF2-40B4-BE49-F238E27FC236}">
-                <a16:creationId xmlns:a16="http://schemas.microsoft.com/office/drawing/2014/main" id="{E976289B-9AEF-481B-84E6-C8453FE8A58E}"/>
+                <a16:creationId xmlns:a16="http://schemas.microsoft.com/office/drawing/2014/main" id="{41B2EC10-9F1E-7F91-9096-0E1CD5F1D710}"/>
               </a:ext>
             </a:extLst>
           </p:cNvPr>
@@ -580,7 +580,7 @@
           <p:cNvPr id="3" name="竖排文字占位符 2">
             <a:extLst>
               <a:ext uri="{FF2B5EF4-FFF2-40B4-BE49-F238E27FC236}">
-                <a16:creationId xmlns:a16="http://schemas.microsoft.com/office/drawing/2014/main" id="{957201E8-70DC-3403-FE0D-3431923C40BE}"/>
+                <a16:creationId xmlns:a16="http://schemas.microsoft.com/office/drawing/2014/main" id="{343BA276-0C79-2E5D-363B-6A2D6D227FAB}"/>
               </a:ext>
             </a:extLst>
           </p:cNvPr>
@@ -642,7 +642,7 @@
           <p:cNvPr id="4" name="日期占位符 3">
             <a:extLst>
               <a:ext uri="{FF2B5EF4-FFF2-40B4-BE49-F238E27FC236}">
-                <a16:creationId xmlns:a16="http://schemas.microsoft.com/office/drawing/2014/main" id="{01D3A48A-062B-8A4A-D543-7A419C593F23}"/>
+                <a16:creationId xmlns:a16="http://schemas.microsoft.com/office/drawing/2014/main" id="{EFBD8E58-1B07-6E53-C7C2-BF4894656530}"/>
               </a:ext>
             </a:extLst>
           </p:cNvPr>
@@ -658,7 +658,7 @@
           <a:bodyPr/>
           <a:lstStyle/>
           <a:p>
-            <a:fld id="{5D6416D6-1E8D-4BCF-8FA7-634B336837EA}" type="datetimeFigureOut">
+            <a:fld id="{854D749A-8178-4D8C-8D2C-48C59A5D8A1F}" type="datetimeFigureOut">
               <a:rPr lang="zh-CN" altLang="en-US" smtClean="0"/>
               <a:t>2024/3/10</a:t>
             </a:fld>
@@ -671,7 +671,7 @@
           <p:cNvPr id="5" name="页脚占位符 4">
             <a:extLst>
               <a:ext uri="{FF2B5EF4-FFF2-40B4-BE49-F238E27FC236}">
-                <a16:creationId xmlns:a16="http://schemas.microsoft.com/office/drawing/2014/main" id="{18395179-E21E-D83E-0BE1-1A73D6BDB33A}"/>
+                <a16:creationId xmlns:a16="http://schemas.microsoft.com/office/drawing/2014/main" id="{78F7F716-A73C-0F6B-96A5-1EA2CB068386}"/>
               </a:ext>
             </a:extLst>
           </p:cNvPr>
@@ -696,7 +696,7 @@
           <p:cNvPr id="6" name="灯片编号占位符 5">
             <a:extLst>
               <a:ext uri="{FF2B5EF4-FFF2-40B4-BE49-F238E27FC236}">
-                <a16:creationId xmlns:a16="http://schemas.microsoft.com/office/drawing/2014/main" id="{1BB1E66D-596E-EE38-373C-B6E4B9B00D7B}"/>
+                <a16:creationId xmlns:a16="http://schemas.microsoft.com/office/drawing/2014/main" id="{54FB589E-5583-889A-BEE7-C9F20A4F45BE}"/>
               </a:ext>
             </a:extLst>
           </p:cNvPr>
@@ -712,7 +712,7 @@
           <a:bodyPr/>
           <a:lstStyle/>
           <a:p>
-            <a:fld id="{67FAB10C-D06D-4174-BEF5-BBE6420D79E4}" type="slidenum">
+            <a:fld id="{D50E5018-6C96-4377-9785-F757EB532624}" type="slidenum">
               <a:rPr lang="zh-CN" altLang="en-US" smtClean="0"/>
               <a:t>‹#›</a:t>
             </a:fld>
@@ -723,7 +723,7 @@
     </p:spTree>
     <p:extLst>
       <p:ext uri="{BB962C8B-B14F-4D97-AF65-F5344CB8AC3E}">
-        <p14:creationId xmlns:p14="http://schemas.microsoft.com/office/powerpoint/2010/main" val="472786433"/>
+        <p14:creationId xmlns:p14="http://schemas.microsoft.com/office/powerpoint/2010/main" val="1955198730"/>
       </p:ext>
     </p:extLst>
   </p:cSld>
@@ -755,7 +755,7 @@
           <p:cNvPr id="2" name="标题 1">
             <a:extLst>
               <a:ext uri="{FF2B5EF4-FFF2-40B4-BE49-F238E27FC236}">
-                <a16:creationId xmlns:a16="http://schemas.microsoft.com/office/drawing/2014/main" id="{CF0624FB-4DF5-9D95-9628-8B7FAFD14902}"/>
+                <a16:creationId xmlns:a16="http://schemas.microsoft.com/office/drawing/2014/main" id="{738B60C3-C6DF-43D5-DA73-183624C52951}"/>
               </a:ext>
             </a:extLst>
           </p:cNvPr>
@@ -783,7 +783,7 @@
           <p:cNvPr id="3" name="内容占位符 2">
             <a:extLst>
               <a:ext uri="{FF2B5EF4-FFF2-40B4-BE49-F238E27FC236}">
-                <a16:creationId xmlns:a16="http://schemas.microsoft.com/office/drawing/2014/main" id="{0FB9FE90-8AA9-CCBF-DE63-F545DE56B2F3}"/>
+                <a16:creationId xmlns:a16="http://schemas.microsoft.com/office/drawing/2014/main" id="{BD0DB5C6-4282-A96B-0F76-5503781D671C}"/>
               </a:ext>
             </a:extLst>
           </p:cNvPr>
@@ -840,7 +840,7 @@
           <p:cNvPr id="4" name="日期占位符 3">
             <a:extLst>
               <a:ext uri="{FF2B5EF4-FFF2-40B4-BE49-F238E27FC236}">
-                <a16:creationId xmlns:a16="http://schemas.microsoft.com/office/drawing/2014/main" id="{F0CD28D0-5DF5-87FC-3677-E76D734EAA70}"/>
+                <a16:creationId xmlns:a16="http://schemas.microsoft.com/office/drawing/2014/main" id="{C72505DC-EFE6-B6A3-8B58-37EE86292300}"/>
               </a:ext>
             </a:extLst>
           </p:cNvPr>
@@ -856,7 +856,7 @@
           <a:bodyPr/>
           <a:lstStyle/>
           <a:p>
-            <a:fld id="{5D6416D6-1E8D-4BCF-8FA7-634B336837EA}" type="datetimeFigureOut">
+            <a:fld id="{854D749A-8178-4D8C-8D2C-48C59A5D8A1F}" type="datetimeFigureOut">
               <a:rPr lang="zh-CN" altLang="en-US" smtClean="0"/>
               <a:t>2024/3/10</a:t>
             </a:fld>
@@ -869,7 +869,7 @@
           <p:cNvPr id="5" name="页脚占位符 4">
             <a:extLst>
               <a:ext uri="{FF2B5EF4-FFF2-40B4-BE49-F238E27FC236}">
-                <a16:creationId xmlns:a16="http://schemas.microsoft.com/office/drawing/2014/main" id="{4D1D6C3F-99DC-766A-C098-9A3EFB0489DC}"/>
+                <a16:creationId xmlns:a16="http://schemas.microsoft.com/office/drawing/2014/main" id="{F10554AE-80DA-50A9-01D7-660EB68E121E}"/>
               </a:ext>
             </a:extLst>
           </p:cNvPr>
@@ -894,7 +894,7 @@
           <p:cNvPr id="6" name="灯片编号占位符 5">
             <a:extLst>
               <a:ext uri="{FF2B5EF4-FFF2-40B4-BE49-F238E27FC236}">
-                <a16:creationId xmlns:a16="http://schemas.microsoft.com/office/drawing/2014/main" id="{E4E2F2CD-1867-58DC-82D0-0977712BD06C}"/>
+                <a16:creationId xmlns:a16="http://schemas.microsoft.com/office/drawing/2014/main" id="{2DCE91BA-44AE-2264-21C9-33B62DEE4B61}"/>
               </a:ext>
             </a:extLst>
           </p:cNvPr>
@@ -910,7 +910,7 @@
           <a:bodyPr/>
           <a:lstStyle/>
           <a:p>
-            <a:fld id="{67FAB10C-D06D-4174-BEF5-BBE6420D79E4}" type="slidenum">
+            <a:fld id="{D50E5018-6C96-4377-9785-F757EB532624}" type="slidenum">
               <a:rPr lang="zh-CN" altLang="en-US" smtClean="0"/>
               <a:t>‹#›</a:t>
             </a:fld>
@@ -921,7 +921,7 @@
     </p:spTree>
     <p:extLst>
       <p:ext uri="{BB962C8B-B14F-4D97-AF65-F5344CB8AC3E}">
-        <p14:creationId xmlns:p14="http://schemas.microsoft.com/office/powerpoint/2010/main" val="3283820496"/>
+        <p14:creationId xmlns:p14="http://schemas.microsoft.com/office/powerpoint/2010/main" val="2447709052"/>
       </p:ext>
     </p:extLst>
   </p:cSld>
@@ -953,7 +953,7 @@
           <p:cNvPr id="2" name="标题 1">
             <a:extLst>
               <a:ext uri="{FF2B5EF4-FFF2-40B4-BE49-F238E27FC236}">
-                <a16:creationId xmlns:a16="http://schemas.microsoft.com/office/drawing/2014/main" id="{B9C6467A-4AAA-854E-59E0-106D79B30D9A}"/>
+                <a16:creationId xmlns:a16="http://schemas.microsoft.com/office/drawing/2014/main" id="{945DE5BA-3A48-A62B-008D-7687F73A7917}"/>
               </a:ext>
             </a:extLst>
           </p:cNvPr>
@@ -990,7 +990,7 @@
           <p:cNvPr id="3" name="文本占位符 2">
             <a:extLst>
               <a:ext uri="{FF2B5EF4-FFF2-40B4-BE49-F238E27FC236}">
-                <a16:creationId xmlns:a16="http://schemas.microsoft.com/office/drawing/2014/main" id="{BBC14EEE-0EEB-4E2F-C27E-7E77FB5299D7}"/>
+                <a16:creationId xmlns:a16="http://schemas.microsoft.com/office/drawing/2014/main" id="{99493621-4398-FD84-3BB8-CD546D51E596}"/>
               </a:ext>
             </a:extLst>
           </p:cNvPr>
@@ -1115,7 +1115,7 @@
           <p:cNvPr id="4" name="日期占位符 3">
             <a:extLst>
               <a:ext uri="{FF2B5EF4-FFF2-40B4-BE49-F238E27FC236}">
-                <a16:creationId xmlns:a16="http://schemas.microsoft.com/office/drawing/2014/main" id="{5324D6D1-6AD6-1C25-C2E2-B28884D66BCF}"/>
+                <a16:creationId xmlns:a16="http://schemas.microsoft.com/office/drawing/2014/main" id="{F9EF8475-AD4D-85AB-40A5-3EA8B75F85DA}"/>
               </a:ext>
             </a:extLst>
           </p:cNvPr>
@@ -1131,7 +1131,7 @@
           <a:bodyPr/>
           <a:lstStyle/>
           <a:p>
-            <a:fld id="{5D6416D6-1E8D-4BCF-8FA7-634B336837EA}" type="datetimeFigureOut">
+            <a:fld id="{854D749A-8178-4D8C-8D2C-48C59A5D8A1F}" type="datetimeFigureOut">
               <a:rPr lang="zh-CN" altLang="en-US" smtClean="0"/>
               <a:t>2024/3/10</a:t>
             </a:fld>
@@ -1144,7 +1144,7 @@
           <p:cNvPr id="5" name="页脚占位符 4">
             <a:extLst>
               <a:ext uri="{FF2B5EF4-FFF2-40B4-BE49-F238E27FC236}">
-                <a16:creationId xmlns:a16="http://schemas.microsoft.com/office/drawing/2014/main" id="{9D02EDD3-15DD-F205-4ADA-3ED1C1CE69B5}"/>
+                <a16:creationId xmlns:a16="http://schemas.microsoft.com/office/drawing/2014/main" id="{F7F4ADBB-F3E1-BF0F-3BBA-8D0B446796BA}"/>
               </a:ext>
             </a:extLst>
           </p:cNvPr>
@@ -1169,7 +1169,7 @@
           <p:cNvPr id="6" name="灯片编号占位符 5">
             <a:extLst>
               <a:ext uri="{FF2B5EF4-FFF2-40B4-BE49-F238E27FC236}">
-                <a16:creationId xmlns:a16="http://schemas.microsoft.com/office/drawing/2014/main" id="{72F57568-7748-B73D-CE16-B382990ED503}"/>
+                <a16:creationId xmlns:a16="http://schemas.microsoft.com/office/drawing/2014/main" id="{13EF25A4-123A-96FF-2847-843DB12FB154}"/>
               </a:ext>
             </a:extLst>
           </p:cNvPr>
@@ -1185,7 +1185,7 @@
           <a:bodyPr/>
           <a:lstStyle/>
           <a:p>
-            <a:fld id="{67FAB10C-D06D-4174-BEF5-BBE6420D79E4}" type="slidenum">
+            <a:fld id="{D50E5018-6C96-4377-9785-F757EB532624}" type="slidenum">
               <a:rPr lang="zh-CN" altLang="en-US" smtClean="0"/>
               <a:t>‹#›</a:t>
             </a:fld>
@@ -1196,7 +1196,7 @@
     </p:spTree>
     <p:extLst>
       <p:ext uri="{BB962C8B-B14F-4D97-AF65-F5344CB8AC3E}">
-        <p14:creationId xmlns:p14="http://schemas.microsoft.com/office/powerpoint/2010/main" val="957983251"/>
+        <p14:creationId xmlns:p14="http://schemas.microsoft.com/office/powerpoint/2010/main" val="278728613"/>
       </p:ext>
     </p:extLst>
   </p:cSld>
@@ -1228,7 +1228,7 @@
           <p:cNvPr id="2" name="标题 1">
             <a:extLst>
               <a:ext uri="{FF2B5EF4-FFF2-40B4-BE49-F238E27FC236}">
-                <a16:creationId xmlns:a16="http://schemas.microsoft.com/office/drawing/2014/main" id="{4E7EC841-5A07-5952-D169-A5B746831F0C}"/>
+                <a16:creationId xmlns:a16="http://schemas.microsoft.com/office/drawing/2014/main" id="{9492B98F-600F-88B2-84B3-54D92489C595}"/>
               </a:ext>
             </a:extLst>
           </p:cNvPr>
@@ -1256,7 +1256,7 @@
           <p:cNvPr id="3" name="内容占位符 2">
             <a:extLst>
               <a:ext uri="{FF2B5EF4-FFF2-40B4-BE49-F238E27FC236}">
-                <a16:creationId xmlns:a16="http://schemas.microsoft.com/office/drawing/2014/main" id="{C6116664-DBD2-9D94-67A8-8D90805FDC09}"/>
+                <a16:creationId xmlns:a16="http://schemas.microsoft.com/office/drawing/2014/main" id="{3B13DC5D-49E4-3BCC-B709-04387C66510D}"/>
               </a:ext>
             </a:extLst>
           </p:cNvPr>
@@ -1318,7 +1318,7 @@
           <p:cNvPr id="4" name="内容占位符 3">
             <a:extLst>
               <a:ext uri="{FF2B5EF4-FFF2-40B4-BE49-F238E27FC236}">
-                <a16:creationId xmlns:a16="http://schemas.microsoft.com/office/drawing/2014/main" id="{F26F389D-1E6B-A578-7DC3-E2BD0DB60DB1}"/>
+                <a16:creationId xmlns:a16="http://schemas.microsoft.com/office/drawing/2014/main" id="{873BDAA1-3A54-9F1F-1DE8-3BC57E9092AA}"/>
               </a:ext>
             </a:extLst>
           </p:cNvPr>
@@ -1380,7 +1380,7 @@
           <p:cNvPr id="5" name="日期占位符 4">
             <a:extLst>
               <a:ext uri="{FF2B5EF4-FFF2-40B4-BE49-F238E27FC236}">
-                <a16:creationId xmlns:a16="http://schemas.microsoft.com/office/drawing/2014/main" id="{27DCB41B-C73D-157C-CE74-23E9F2545982}"/>
+                <a16:creationId xmlns:a16="http://schemas.microsoft.com/office/drawing/2014/main" id="{7B99C69F-A733-02E4-0F05-27F2A0CCF367}"/>
               </a:ext>
             </a:extLst>
           </p:cNvPr>
@@ -1396,7 +1396,7 @@
           <a:bodyPr/>
           <a:lstStyle/>
           <a:p>
-            <a:fld id="{5D6416D6-1E8D-4BCF-8FA7-634B336837EA}" type="datetimeFigureOut">
+            <a:fld id="{854D749A-8178-4D8C-8D2C-48C59A5D8A1F}" type="datetimeFigureOut">
               <a:rPr lang="zh-CN" altLang="en-US" smtClean="0"/>
               <a:t>2024/3/10</a:t>
             </a:fld>
@@ -1409,7 +1409,7 @@
           <p:cNvPr id="6" name="页脚占位符 5">
             <a:extLst>
               <a:ext uri="{FF2B5EF4-FFF2-40B4-BE49-F238E27FC236}">
-                <a16:creationId xmlns:a16="http://schemas.microsoft.com/office/drawing/2014/main" id="{F1031E18-1CDF-CEEB-6240-116FBA1F0307}"/>
+                <a16:creationId xmlns:a16="http://schemas.microsoft.com/office/drawing/2014/main" id="{981DAD83-556C-4ED3-B6B4-D359B6455C63}"/>
               </a:ext>
             </a:extLst>
           </p:cNvPr>
@@ -1434,7 +1434,7 @@
           <p:cNvPr id="7" name="灯片编号占位符 6">
             <a:extLst>
               <a:ext uri="{FF2B5EF4-FFF2-40B4-BE49-F238E27FC236}">
-                <a16:creationId xmlns:a16="http://schemas.microsoft.com/office/drawing/2014/main" id="{7093EE4B-9270-306A-7AD0-FCB482007AC5}"/>
+                <a16:creationId xmlns:a16="http://schemas.microsoft.com/office/drawing/2014/main" id="{0F4CCD90-D64F-FA68-5919-13DFDE74745A}"/>
               </a:ext>
             </a:extLst>
           </p:cNvPr>
@@ -1450,7 +1450,7 @@
           <a:bodyPr/>
           <a:lstStyle/>
           <a:p>
-            <a:fld id="{67FAB10C-D06D-4174-BEF5-BBE6420D79E4}" type="slidenum">
+            <a:fld id="{D50E5018-6C96-4377-9785-F757EB532624}" type="slidenum">
               <a:rPr lang="zh-CN" altLang="en-US" smtClean="0"/>
               <a:t>‹#›</a:t>
             </a:fld>
@@ -1461,7 +1461,7 @@
     </p:spTree>
     <p:extLst>
       <p:ext uri="{BB962C8B-B14F-4D97-AF65-F5344CB8AC3E}">
-        <p14:creationId xmlns:p14="http://schemas.microsoft.com/office/powerpoint/2010/main" val="3928632675"/>
+        <p14:creationId xmlns:p14="http://schemas.microsoft.com/office/powerpoint/2010/main" val="3738453976"/>
       </p:ext>
     </p:extLst>
   </p:cSld>
@@ -1493,7 +1493,7 @@
           <p:cNvPr id="2" name="标题 1">
             <a:extLst>
               <a:ext uri="{FF2B5EF4-FFF2-40B4-BE49-F238E27FC236}">
-                <a16:creationId xmlns:a16="http://schemas.microsoft.com/office/drawing/2014/main" id="{C201E36B-38F9-959D-ADBA-5C1D78CC8BDE}"/>
+                <a16:creationId xmlns:a16="http://schemas.microsoft.com/office/drawing/2014/main" id="{0D70C519-114D-C5FC-7529-ADBEF9E821E1}"/>
               </a:ext>
             </a:extLst>
           </p:cNvPr>
@@ -1526,7 +1526,7 @@
           <p:cNvPr id="3" name="文本占位符 2">
             <a:extLst>
               <a:ext uri="{FF2B5EF4-FFF2-40B4-BE49-F238E27FC236}">
-                <a16:creationId xmlns:a16="http://schemas.microsoft.com/office/drawing/2014/main" id="{08947783-8F94-4299-DADF-76E3C189F9A6}"/>
+                <a16:creationId xmlns:a16="http://schemas.microsoft.com/office/drawing/2014/main" id="{5F45EE85-F0FA-35E0-ABCE-94BEB2C69DAE}"/>
               </a:ext>
             </a:extLst>
           </p:cNvPr>
@@ -1597,7 +1597,7 @@
           <p:cNvPr id="4" name="内容占位符 3">
             <a:extLst>
               <a:ext uri="{FF2B5EF4-FFF2-40B4-BE49-F238E27FC236}">
-                <a16:creationId xmlns:a16="http://schemas.microsoft.com/office/drawing/2014/main" id="{630A9983-5BFF-B65F-1C88-3D40CF1A5132}"/>
+                <a16:creationId xmlns:a16="http://schemas.microsoft.com/office/drawing/2014/main" id="{110C6044-A50D-6C03-5FD6-5C4D77A07F5D}"/>
               </a:ext>
             </a:extLst>
           </p:cNvPr>
@@ -1659,7 +1659,7 @@
           <p:cNvPr id="5" name="文本占位符 4">
             <a:extLst>
               <a:ext uri="{FF2B5EF4-FFF2-40B4-BE49-F238E27FC236}">
-                <a16:creationId xmlns:a16="http://schemas.microsoft.com/office/drawing/2014/main" id="{BB094CCA-A1BB-02F8-F0CF-275895E30B2D}"/>
+                <a16:creationId xmlns:a16="http://schemas.microsoft.com/office/drawing/2014/main" id="{7E8E0849-8A75-5B4E-B616-95FE062B7CBD}"/>
               </a:ext>
             </a:extLst>
           </p:cNvPr>
@@ -1730,7 +1730,7 @@
           <p:cNvPr id="6" name="内容占位符 5">
             <a:extLst>
               <a:ext uri="{FF2B5EF4-FFF2-40B4-BE49-F238E27FC236}">
-                <a16:creationId xmlns:a16="http://schemas.microsoft.com/office/drawing/2014/main" id="{100785C4-69FA-B0D3-011D-934774D26F40}"/>
+                <a16:creationId xmlns:a16="http://schemas.microsoft.com/office/drawing/2014/main" id="{05C5CD30-CF78-F486-5722-FE25498BE89F}"/>
               </a:ext>
             </a:extLst>
           </p:cNvPr>
@@ -1792,7 +1792,7 @@
           <p:cNvPr id="7" name="日期占位符 6">
             <a:extLst>
               <a:ext uri="{FF2B5EF4-FFF2-40B4-BE49-F238E27FC236}">
-                <a16:creationId xmlns:a16="http://schemas.microsoft.com/office/drawing/2014/main" id="{BA0E4CE4-5E6C-CC6A-142A-1382A303ACFD}"/>
+                <a16:creationId xmlns:a16="http://schemas.microsoft.com/office/drawing/2014/main" id="{3EA01995-6586-642A-7ADF-299396BE1B4D}"/>
               </a:ext>
             </a:extLst>
           </p:cNvPr>
@@ -1808,7 +1808,7 @@
           <a:bodyPr/>
           <a:lstStyle/>
           <a:p>
-            <a:fld id="{5D6416D6-1E8D-4BCF-8FA7-634B336837EA}" type="datetimeFigureOut">
+            <a:fld id="{854D749A-8178-4D8C-8D2C-48C59A5D8A1F}" type="datetimeFigureOut">
               <a:rPr lang="zh-CN" altLang="en-US" smtClean="0"/>
               <a:t>2024/3/10</a:t>
             </a:fld>
@@ -1821,7 +1821,7 @@
           <p:cNvPr id="8" name="页脚占位符 7">
             <a:extLst>
               <a:ext uri="{FF2B5EF4-FFF2-40B4-BE49-F238E27FC236}">
-                <a16:creationId xmlns:a16="http://schemas.microsoft.com/office/drawing/2014/main" id="{9E21CF96-727E-4541-621B-025898DC2E0E}"/>
+                <a16:creationId xmlns:a16="http://schemas.microsoft.com/office/drawing/2014/main" id="{F51C04A3-94BE-0153-6542-DBE6F3FEB271}"/>
               </a:ext>
             </a:extLst>
           </p:cNvPr>
@@ -1846,7 +1846,7 @@
           <p:cNvPr id="9" name="灯片编号占位符 8">
             <a:extLst>
               <a:ext uri="{FF2B5EF4-FFF2-40B4-BE49-F238E27FC236}">
-                <a16:creationId xmlns:a16="http://schemas.microsoft.com/office/drawing/2014/main" id="{B9F2D8F4-1B7E-5F90-316A-26305778A5F4}"/>
+                <a16:creationId xmlns:a16="http://schemas.microsoft.com/office/drawing/2014/main" id="{2B3D6A65-E7E5-A614-713F-CB1BA411FB90}"/>
               </a:ext>
             </a:extLst>
           </p:cNvPr>
@@ -1862,7 +1862,7 @@
           <a:bodyPr/>
           <a:lstStyle/>
           <a:p>
-            <a:fld id="{67FAB10C-D06D-4174-BEF5-BBE6420D79E4}" type="slidenum">
+            <a:fld id="{D50E5018-6C96-4377-9785-F757EB532624}" type="slidenum">
               <a:rPr lang="zh-CN" altLang="en-US" smtClean="0"/>
               <a:t>‹#›</a:t>
             </a:fld>
@@ -1873,7 +1873,7 @@
     </p:spTree>
     <p:extLst>
       <p:ext uri="{BB962C8B-B14F-4D97-AF65-F5344CB8AC3E}">
-        <p14:creationId xmlns:p14="http://schemas.microsoft.com/office/powerpoint/2010/main" val="3330696008"/>
+        <p14:creationId xmlns:p14="http://schemas.microsoft.com/office/powerpoint/2010/main" val="4125012739"/>
       </p:ext>
     </p:extLst>
   </p:cSld>
@@ -1905,7 +1905,7 @@
           <p:cNvPr id="2" name="标题 1">
             <a:extLst>
               <a:ext uri="{FF2B5EF4-FFF2-40B4-BE49-F238E27FC236}">
-                <a16:creationId xmlns:a16="http://schemas.microsoft.com/office/drawing/2014/main" id="{9FE3DFCF-CDA8-24BB-0B9A-2249102B7FEC}"/>
+                <a16:creationId xmlns:a16="http://schemas.microsoft.com/office/drawing/2014/main" id="{4D873CDC-A742-5320-19D4-38657B15F88B}"/>
               </a:ext>
             </a:extLst>
           </p:cNvPr>
@@ -1933,7 +1933,7 @@
           <p:cNvPr id="3" name="日期占位符 2">
             <a:extLst>
               <a:ext uri="{FF2B5EF4-FFF2-40B4-BE49-F238E27FC236}">
-                <a16:creationId xmlns:a16="http://schemas.microsoft.com/office/drawing/2014/main" id="{8FBB7D6B-9F20-E9F3-31D0-7FF3A9B7B0FF}"/>
+                <a16:creationId xmlns:a16="http://schemas.microsoft.com/office/drawing/2014/main" id="{FD8E9365-38D4-59B6-A152-F97DB047DEC9}"/>
               </a:ext>
             </a:extLst>
           </p:cNvPr>
@@ -1949,7 +1949,7 @@
           <a:bodyPr/>
           <a:lstStyle/>
           <a:p>
-            <a:fld id="{5D6416D6-1E8D-4BCF-8FA7-634B336837EA}" type="datetimeFigureOut">
+            <a:fld id="{854D749A-8178-4D8C-8D2C-48C59A5D8A1F}" type="datetimeFigureOut">
               <a:rPr lang="zh-CN" altLang="en-US" smtClean="0"/>
               <a:t>2024/3/10</a:t>
             </a:fld>
@@ -1962,7 +1962,7 @@
           <p:cNvPr id="4" name="页脚占位符 3">
             <a:extLst>
               <a:ext uri="{FF2B5EF4-FFF2-40B4-BE49-F238E27FC236}">
-                <a16:creationId xmlns:a16="http://schemas.microsoft.com/office/drawing/2014/main" id="{BABED499-E860-72DB-D682-6D5109D3FCBD}"/>
+                <a16:creationId xmlns:a16="http://schemas.microsoft.com/office/drawing/2014/main" id="{1D7EADA4-E48E-A970-43C4-27262F2063AA}"/>
               </a:ext>
             </a:extLst>
           </p:cNvPr>
@@ -1987,7 +1987,7 @@
           <p:cNvPr id="5" name="灯片编号占位符 4">
             <a:extLst>
               <a:ext uri="{FF2B5EF4-FFF2-40B4-BE49-F238E27FC236}">
-                <a16:creationId xmlns:a16="http://schemas.microsoft.com/office/drawing/2014/main" id="{CCD3F164-9280-06C7-C244-A5BB5A757540}"/>
+                <a16:creationId xmlns:a16="http://schemas.microsoft.com/office/drawing/2014/main" id="{A16DDCB8-3F07-383A-993E-73856EAB7EB8}"/>
               </a:ext>
             </a:extLst>
           </p:cNvPr>
@@ -2003,7 +2003,7 @@
           <a:bodyPr/>
           <a:lstStyle/>
           <a:p>
-            <a:fld id="{67FAB10C-D06D-4174-BEF5-BBE6420D79E4}" type="slidenum">
+            <a:fld id="{D50E5018-6C96-4377-9785-F757EB532624}" type="slidenum">
               <a:rPr lang="zh-CN" altLang="en-US" smtClean="0"/>
               <a:t>‹#›</a:t>
             </a:fld>
@@ -2014,7 +2014,7 @@
     </p:spTree>
     <p:extLst>
       <p:ext uri="{BB962C8B-B14F-4D97-AF65-F5344CB8AC3E}">
-        <p14:creationId xmlns:p14="http://schemas.microsoft.com/office/powerpoint/2010/main" val="3857333623"/>
+        <p14:creationId xmlns:p14="http://schemas.microsoft.com/office/powerpoint/2010/main" val="615157019"/>
       </p:ext>
     </p:extLst>
   </p:cSld>
@@ -2046,7 +2046,7 @@
           <p:cNvPr id="2" name="日期占位符 1">
             <a:extLst>
               <a:ext uri="{FF2B5EF4-FFF2-40B4-BE49-F238E27FC236}">
-                <a16:creationId xmlns:a16="http://schemas.microsoft.com/office/drawing/2014/main" id="{6C603E18-6071-6951-B5EA-42D945F2CC1D}"/>
+                <a16:creationId xmlns:a16="http://schemas.microsoft.com/office/drawing/2014/main" id="{F2305B9C-6D96-500B-A471-81B64C99246B}"/>
               </a:ext>
             </a:extLst>
           </p:cNvPr>
@@ -2062,7 +2062,7 @@
           <a:bodyPr/>
           <a:lstStyle/>
           <a:p>
-            <a:fld id="{5D6416D6-1E8D-4BCF-8FA7-634B336837EA}" type="datetimeFigureOut">
+            <a:fld id="{854D749A-8178-4D8C-8D2C-48C59A5D8A1F}" type="datetimeFigureOut">
               <a:rPr lang="zh-CN" altLang="en-US" smtClean="0"/>
               <a:t>2024/3/10</a:t>
             </a:fld>
@@ -2075,7 +2075,7 @@
           <p:cNvPr id="3" name="页脚占位符 2">
             <a:extLst>
               <a:ext uri="{FF2B5EF4-FFF2-40B4-BE49-F238E27FC236}">
-                <a16:creationId xmlns:a16="http://schemas.microsoft.com/office/drawing/2014/main" id="{0E7F1C81-BC89-0E9B-39AA-C01747597462}"/>
+                <a16:creationId xmlns:a16="http://schemas.microsoft.com/office/drawing/2014/main" id="{038730AB-7E79-3E51-C9A9-692A89C76228}"/>
               </a:ext>
             </a:extLst>
           </p:cNvPr>
@@ -2100,7 +2100,7 @@
           <p:cNvPr id="4" name="灯片编号占位符 3">
             <a:extLst>
               <a:ext uri="{FF2B5EF4-FFF2-40B4-BE49-F238E27FC236}">
-                <a16:creationId xmlns:a16="http://schemas.microsoft.com/office/drawing/2014/main" id="{90562B1B-75C8-3CAE-72B9-ADA7A7E55597}"/>
+                <a16:creationId xmlns:a16="http://schemas.microsoft.com/office/drawing/2014/main" id="{6D0CE32A-E6A9-609B-425A-0898DD7CF40A}"/>
               </a:ext>
             </a:extLst>
           </p:cNvPr>
@@ -2116,7 +2116,7 @@
           <a:bodyPr/>
           <a:lstStyle/>
           <a:p>
-            <a:fld id="{67FAB10C-D06D-4174-BEF5-BBE6420D79E4}" type="slidenum">
+            <a:fld id="{D50E5018-6C96-4377-9785-F757EB532624}" type="slidenum">
               <a:rPr lang="zh-CN" altLang="en-US" smtClean="0"/>
               <a:t>‹#›</a:t>
             </a:fld>
@@ -2127,7 +2127,7 @@
     </p:spTree>
     <p:extLst>
       <p:ext uri="{BB962C8B-B14F-4D97-AF65-F5344CB8AC3E}">
-        <p14:creationId xmlns:p14="http://schemas.microsoft.com/office/powerpoint/2010/main" val="1008036748"/>
+        <p14:creationId xmlns:p14="http://schemas.microsoft.com/office/powerpoint/2010/main" val="910732985"/>
       </p:ext>
     </p:extLst>
   </p:cSld>
@@ -2159,7 +2159,7 @@
           <p:cNvPr id="2" name="标题 1">
             <a:extLst>
               <a:ext uri="{FF2B5EF4-FFF2-40B4-BE49-F238E27FC236}">
-                <a16:creationId xmlns:a16="http://schemas.microsoft.com/office/drawing/2014/main" id="{6C58AF4C-B8F6-4338-A567-AA174412C6D0}"/>
+                <a16:creationId xmlns:a16="http://schemas.microsoft.com/office/drawing/2014/main" id="{35645EA3-FD98-47AD-CCB9-F6C7C9D21268}"/>
               </a:ext>
             </a:extLst>
           </p:cNvPr>
@@ -2196,7 +2196,7 @@
           <p:cNvPr id="3" name="内容占位符 2">
             <a:extLst>
               <a:ext uri="{FF2B5EF4-FFF2-40B4-BE49-F238E27FC236}">
-                <a16:creationId xmlns:a16="http://schemas.microsoft.com/office/drawing/2014/main" id="{98F47457-ABBB-57DE-CFE2-9C5724D3327F}"/>
+                <a16:creationId xmlns:a16="http://schemas.microsoft.com/office/drawing/2014/main" id="{D248756F-5802-87F0-090F-1603F6A0BE78}"/>
               </a:ext>
             </a:extLst>
           </p:cNvPr>
@@ -2286,7 +2286,7 @@
           <p:cNvPr id="4" name="文本占位符 3">
             <a:extLst>
               <a:ext uri="{FF2B5EF4-FFF2-40B4-BE49-F238E27FC236}">
-                <a16:creationId xmlns:a16="http://schemas.microsoft.com/office/drawing/2014/main" id="{397277EA-CE49-FCBF-E867-677F5C0F2792}"/>
+                <a16:creationId xmlns:a16="http://schemas.microsoft.com/office/drawing/2014/main" id="{6C96C4A4-F2C2-1D34-FA67-C70932DBAC2C}"/>
               </a:ext>
             </a:extLst>
           </p:cNvPr>
@@ -2357,7 +2357,7 @@
           <p:cNvPr id="5" name="日期占位符 4">
             <a:extLst>
               <a:ext uri="{FF2B5EF4-FFF2-40B4-BE49-F238E27FC236}">
-                <a16:creationId xmlns:a16="http://schemas.microsoft.com/office/drawing/2014/main" id="{B0C5EAA3-D74E-4801-4576-EEF3FD02CAA7}"/>
+                <a16:creationId xmlns:a16="http://schemas.microsoft.com/office/drawing/2014/main" id="{800009C8-0E51-9402-8FD4-FC695829D6EF}"/>
               </a:ext>
             </a:extLst>
           </p:cNvPr>
@@ -2373,7 +2373,7 @@
           <a:bodyPr/>
           <a:lstStyle/>
           <a:p>
-            <a:fld id="{5D6416D6-1E8D-4BCF-8FA7-634B336837EA}" type="datetimeFigureOut">
+            <a:fld id="{854D749A-8178-4D8C-8D2C-48C59A5D8A1F}" type="datetimeFigureOut">
               <a:rPr lang="zh-CN" altLang="en-US" smtClean="0"/>
               <a:t>2024/3/10</a:t>
             </a:fld>
@@ -2386,7 +2386,7 @@
           <p:cNvPr id="6" name="页脚占位符 5">
             <a:extLst>
               <a:ext uri="{FF2B5EF4-FFF2-40B4-BE49-F238E27FC236}">
-                <a16:creationId xmlns:a16="http://schemas.microsoft.com/office/drawing/2014/main" id="{C38A0337-0EC3-F927-45F1-F7F11FE8154F}"/>
+                <a16:creationId xmlns:a16="http://schemas.microsoft.com/office/drawing/2014/main" id="{5BAF053B-3210-D466-3F0B-E03E89F4BC10}"/>
               </a:ext>
             </a:extLst>
           </p:cNvPr>
@@ -2411,7 +2411,7 @@
           <p:cNvPr id="7" name="灯片编号占位符 6">
             <a:extLst>
               <a:ext uri="{FF2B5EF4-FFF2-40B4-BE49-F238E27FC236}">
-                <a16:creationId xmlns:a16="http://schemas.microsoft.com/office/drawing/2014/main" id="{E518D84F-9F20-DC1F-FE90-38024D9A809B}"/>
+                <a16:creationId xmlns:a16="http://schemas.microsoft.com/office/drawing/2014/main" id="{CE8DF059-5815-A6E8-4CD4-9C2F68C5C3A8}"/>
               </a:ext>
             </a:extLst>
           </p:cNvPr>
@@ -2427,7 +2427,7 @@
           <a:bodyPr/>
           <a:lstStyle/>
           <a:p>
-            <a:fld id="{67FAB10C-D06D-4174-BEF5-BBE6420D79E4}" type="slidenum">
+            <a:fld id="{D50E5018-6C96-4377-9785-F757EB532624}" type="slidenum">
               <a:rPr lang="zh-CN" altLang="en-US" smtClean="0"/>
               <a:t>‹#›</a:t>
             </a:fld>
@@ -2438,7 +2438,7 @@
     </p:spTree>
     <p:extLst>
       <p:ext uri="{BB962C8B-B14F-4D97-AF65-F5344CB8AC3E}">
-        <p14:creationId xmlns:p14="http://schemas.microsoft.com/office/powerpoint/2010/main" val="3152934591"/>
+        <p14:creationId xmlns:p14="http://schemas.microsoft.com/office/powerpoint/2010/main" val="2741515392"/>
       </p:ext>
     </p:extLst>
   </p:cSld>
@@ -2470,7 +2470,7 @@
           <p:cNvPr id="2" name="标题 1">
             <a:extLst>
               <a:ext uri="{FF2B5EF4-FFF2-40B4-BE49-F238E27FC236}">
-                <a16:creationId xmlns:a16="http://schemas.microsoft.com/office/drawing/2014/main" id="{EB8E946A-3EE8-CE16-E8CC-25C9AF2C0744}"/>
+                <a16:creationId xmlns:a16="http://schemas.microsoft.com/office/drawing/2014/main" id="{7451F57C-66E2-50F9-1D6C-13A8ECA38200}"/>
               </a:ext>
             </a:extLst>
           </p:cNvPr>
@@ -2507,7 +2507,7 @@
           <p:cNvPr id="3" name="图片占位符 2">
             <a:extLst>
               <a:ext uri="{FF2B5EF4-FFF2-40B4-BE49-F238E27FC236}">
-                <a16:creationId xmlns:a16="http://schemas.microsoft.com/office/drawing/2014/main" id="{8B9B59D4-73B6-EA8E-0551-B4D75AF8B805}"/>
+                <a16:creationId xmlns:a16="http://schemas.microsoft.com/office/drawing/2014/main" id="{039C6C10-A70D-DCCA-CBF0-2CC3321464A0}"/>
               </a:ext>
             </a:extLst>
           </p:cNvPr>
@@ -2574,7 +2574,7 @@
           <p:cNvPr id="4" name="文本占位符 3">
             <a:extLst>
               <a:ext uri="{FF2B5EF4-FFF2-40B4-BE49-F238E27FC236}">
-                <a16:creationId xmlns:a16="http://schemas.microsoft.com/office/drawing/2014/main" id="{7C6686A7-B361-B95E-C422-357FEC0D4A7D}"/>
+                <a16:creationId xmlns:a16="http://schemas.microsoft.com/office/drawing/2014/main" id="{F98617E6-BAA8-9AFE-5FD1-DAF5764B3DDD}"/>
               </a:ext>
             </a:extLst>
           </p:cNvPr>
@@ -2645,7 +2645,7 @@
           <p:cNvPr id="5" name="日期占位符 4">
             <a:extLst>
               <a:ext uri="{FF2B5EF4-FFF2-40B4-BE49-F238E27FC236}">
-                <a16:creationId xmlns:a16="http://schemas.microsoft.com/office/drawing/2014/main" id="{11599B3F-071E-ED31-3133-F29E2B0E404D}"/>
+                <a16:creationId xmlns:a16="http://schemas.microsoft.com/office/drawing/2014/main" id="{AED8A405-ED2C-B93B-FDA5-96FBDF2B97C5}"/>
               </a:ext>
             </a:extLst>
           </p:cNvPr>
@@ -2661,7 +2661,7 @@
           <a:bodyPr/>
           <a:lstStyle/>
           <a:p>
-            <a:fld id="{5D6416D6-1E8D-4BCF-8FA7-634B336837EA}" type="datetimeFigureOut">
+            <a:fld id="{854D749A-8178-4D8C-8D2C-48C59A5D8A1F}" type="datetimeFigureOut">
               <a:rPr lang="zh-CN" altLang="en-US" smtClean="0"/>
               <a:t>2024/3/10</a:t>
             </a:fld>
@@ -2674,7 +2674,7 @@
           <p:cNvPr id="6" name="页脚占位符 5">
             <a:extLst>
               <a:ext uri="{FF2B5EF4-FFF2-40B4-BE49-F238E27FC236}">
-                <a16:creationId xmlns:a16="http://schemas.microsoft.com/office/drawing/2014/main" id="{4DDC4456-68D8-3D90-5179-CFF189AF6236}"/>
+                <a16:creationId xmlns:a16="http://schemas.microsoft.com/office/drawing/2014/main" id="{E803781E-0354-717D-95C3-823E8351A5AD}"/>
               </a:ext>
             </a:extLst>
           </p:cNvPr>
@@ -2699,7 +2699,7 @@
           <p:cNvPr id="7" name="灯片编号占位符 6">
             <a:extLst>
               <a:ext uri="{FF2B5EF4-FFF2-40B4-BE49-F238E27FC236}">
-                <a16:creationId xmlns:a16="http://schemas.microsoft.com/office/drawing/2014/main" id="{5ECD7845-43D6-6EC3-F4E7-0E11FF2A3D0E}"/>
+                <a16:creationId xmlns:a16="http://schemas.microsoft.com/office/drawing/2014/main" id="{CCAAF162-9EE1-FCEB-D580-F2224B91F5DF}"/>
               </a:ext>
             </a:extLst>
           </p:cNvPr>
@@ -2715,7 +2715,7 @@
           <a:bodyPr/>
           <a:lstStyle/>
           <a:p>
-            <a:fld id="{67FAB10C-D06D-4174-BEF5-BBE6420D79E4}" type="slidenum">
+            <a:fld id="{D50E5018-6C96-4377-9785-F757EB532624}" type="slidenum">
               <a:rPr lang="zh-CN" altLang="en-US" smtClean="0"/>
               <a:t>‹#›</a:t>
             </a:fld>
@@ -2726,7 +2726,7 @@
     </p:spTree>
     <p:extLst>
       <p:ext uri="{BB962C8B-B14F-4D97-AF65-F5344CB8AC3E}">
-        <p14:creationId xmlns:p14="http://schemas.microsoft.com/office/powerpoint/2010/main" val="1801448877"/>
+        <p14:creationId xmlns:p14="http://schemas.microsoft.com/office/powerpoint/2010/main" val="1233093407"/>
       </p:ext>
     </p:extLst>
   </p:cSld>
@@ -2763,7 +2763,7 @@
           <p:cNvPr id="2" name="标题占位符 1">
             <a:extLst>
               <a:ext uri="{FF2B5EF4-FFF2-40B4-BE49-F238E27FC236}">
-                <a16:creationId xmlns:a16="http://schemas.microsoft.com/office/drawing/2014/main" id="{2ED8D21C-3B70-1966-7AAA-A861E98C8B01}"/>
+                <a16:creationId xmlns:a16="http://schemas.microsoft.com/office/drawing/2014/main" id="{127C3FF1-A947-880D-B7AC-B264CB61A794}"/>
               </a:ext>
             </a:extLst>
           </p:cNvPr>
@@ -2801,7 +2801,7 @@
           <p:cNvPr id="3" name="文本占位符 2">
             <a:extLst>
               <a:ext uri="{FF2B5EF4-FFF2-40B4-BE49-F238E27FC236}">
-                <a16:creationId xmlns:a16="http://schemas.microsoft.com/office/drawing/2014/main" id="{73B5F2D0-FA18-3B31-CDBF-1520A079F83E}"/>
+                <a16:creationId xmlns:a16="http://schemas.microsoft.com/office/drawing/2014/main" id="{BE105BA3-C1F7-F1BA-9B27-CBE37BB115CA}"/>
               </a:ext>
             </a:extLst>
           </p:cNvPr>
@@ -2868,7 +2868,7 @@
           <p:cNvPr id="4" name="日期占位符 3">
             <a:extLst>
               <a:ext uri="{FF2B5EF4-FFF2-40B4-BE49-F238E27FC236}">
-                <a16:creationId xmlns:a16="http://schemas.microsoft.com/office/drawing/2014/main" id="{1EDDE639-46D3-EEA5-9113-2B22FB21DFF8}"/>
+                <a16:creationId xmlns:a16="http://schemas.microsoft.com/office/drawing/2014/main" id="{CC82ACF4-97EB-4CC1-059A-80E732769788}"/>
               </a:ext>
             </a:extLst>
           </p:cNvPr>
@@ -2902,7 +2902,7 @@
             </a:lvl1pPr>
           </a:lstStyle>
           <a:p>
-            <a:fld id="{5D6416D6-1E8D-4BCF-8FA7-634B336837EA}" type="datetimeFigureOut">
+            <a:fld id="{854D749A-8178-4D8C-8D2C-48C59A5D8A1F}" type="datetimeFigureOut">
               <a:rPr lang="zh-CN" altLang="en-US" smtClean="0"/>
               <a:t>2024/3/10</a:t>
             </a:fld>
@@ -2915,7 +2915,7 @@
           <p:cNvPr id="5" name="页脚占位符 4">
             <a:extLst>
               <a:ext uri="{FF2B5EF4-FFF2-40B4-BE49-F238E27FC236}">
-                <a16:creationId xmlns:a16="http://schemas.microsoft.com/office/drawing/2014/main" id="{E6C72BDB-BD90-7E5E-C5E1-9B099868E7FF}"/>
+                <a16:creationId xmlns:a16="http://schemas.microsoft.com/office/drawing/2014/main" id="{D5335647-0506-C4C8-3538-92F74F369E1A}"/>
               </a:ext>
             </a:extLst>
           </p:cNvPr>
@@ -2958,7 +2958,7 @@
           <p:cNvPr id="6" name="灯片编号占位符 5">
             <a:extLst>
               <a:ext uri="{FF2B5EF4-FFF2-40B4-BE49-F238E27FC236}">
-                <a16:creationId xmlns:a16="http://schemas.microsoft.com/office/drawing/2014/main" id="{6F3DAB48-03E7-2B97-2626-2ACECB70C8D0}"/>
+                <a16:creationId xmlns:a16="http://schemas.microsoft.com/office/drawing/2014/main" id="{6322B3E7-2BC0-E17C-20F2-37A3C155E07A}"/>
               </a:ext>
             </a:extLst>
           </p:cNvPr>
@@ -2992,7 +2992,7 @@
             </a:lvl1pPr>
           </a:lstStyle>
           <a:p>
-            <a:fld id="{67FAB10C-D06D-4174-BEF5-BBE6420D79E4}" type="slidenum">
+            <a:fld id="{D50E5018-6C96-4377-9785-F757EB532624}" type="slidenum">
               <a:rPr lang="zh-CN" altLang="en-US" smtClean="0"/>
               <a:t>‹#›</a:t>
             </a:fld>
@@ -3003,7 +3003,7 @@
     </p:spTree>
     <p:extLst>
       <p:ext uri="{BB962C8B-B14F-4D97-AF65-F5344CB8AC3E}">
-        <p14:creationId xmlns:p14="http://schemas.microsoft.com/office/powerpoint/2010/main" val="921190432"/>
+        <p14:creationId xmlns:p14="http://schemas.microsoft.com/office/powerpoint/2010/main" val="3531576391"/>
       </p:ext>
     </p:extLst>
   </p:cSld>
@@ -3323,7 +3323,7 @@
       </p:grpSpPr>
       <p:pic>
         <p:nvPicPr>
-          <p:cNvPr id="1633282" name="Picture 2" descr="1594"/>
+          <p:cNvPr id="1634306" name="Picture 2" descr="1595"/>
           <p:cNvPicPr>
             <a:picLocks noChangeAspect="1" noChangeArrowheads="1"/>
           </p:cNvPicPr>
@@ -3344,8 +3344,8 @@
         </p:blipFill>
         <p:spPr bwMode="auto">
           <a:xfrm>
-            <a:off x="1543050" y="14288"/>
-            <a:ext cx="9124950" cy="6843712"/>
+            <a:off x="1524000" y="1"/>
+            <a:ext cx="9124950" cy="6843713"/>
           </a:xfrm>
           <a:prstGeom prst="rect">
             <a:avLst/>
